--- a/Chapter2/Figures/Fig15.pptx
+++ b/Chapter2/Figures/Fig15.pptx
@@ -7,14 +7,14 @@
   <p:sldIdLst>
     <p:sldId id="256" r:id="rId2"/>
   </p:sldIdLst>
-  <p:sldSz cx="7561263" cy="3779838"/>
+  <p:sldSz cx="7921625" cy="4500563"/>
   <p:notesSz cx="6858000" cy="9144000"/>
   <p:defaultTextStyle>
     <a:defPPr>
       <a:defRPr lang="en-US"/>
     </a:defPPr>
-    <a:lvl1pPr marL="0" algn="l" defTabSz="603264" rtl="0" eaLnBrk="1" latinLnBrk="0" hangingPunct="1">
-      <a:defRPr sz="1200" kern="1200">
+    <a:lvl1pPr marL="0" algn="l" defTabSz="631135" rtl="0" eaLnBrk="1" latinLnBrk="0" hangingPunct="1">
+      <a:defRPr sz="1300" kern="1200">
         <a:solidFill>
           <a:schemeClr val="tx1"/>
         </a:solidFill>
@@ -23,8 +23,8 @@
         <a:cs typeface="+mn-cs"/>
       </a:defRPr>
     </a:lvl1pPr>
-    <a:lvl2pPr marL="301632" algn="l" defTabSz="603264" rtl="0" eaLnBrk="1" latinLnBrk="0" hangingPunct="1">
-      <a:defRPr sz="1200" kern="1200">
+    <a:lvl2pPr marL="315567" algn="l" defTabSz="631135" rtl="0" eaLnBrk="1" latinLnBrk="0" hangingPunct="1">
+      <a:defRPr sz="1300" kern="1200">
         <a:solidFill>
           <a:schemeClr val="tx1"/>
         </a:solidFill>
@@ -33,8 +33,8 @@
         <a:cs typeface="+mn-cs"/>
       </a:defRPr>
     </a:lvl2pPr>
-    <a:lvl3pPr marL="603264" algn="l" defTabSz="603264" rtl="0" eaLnBrk="1" latinLnBrk="0" hangingPunct="1">
-      <a:defRPr sz="1200" kern="1200">
+    <a:lvl3pPr marL="631135" algn="l" defTabSz="631135" rtl="0" eaLnBrk="1" latinLnBrk="0" hangingPunct="1">
+      <a:defRPr sz="1300" kern="1200">
         <a:solidFill>
           <a:schemeClr val="tx1"/>
         </a:solidFill>
@@ -43,8 +43,8 @@
         <a:cs typeface="+mn-cs"/>
       </a:defRPr>
     </a:lvl3pPr>
-    <a:lvl4pPr marL="904896" algn="l" defTabSz="603264" rtl="0" eaLnBrk="1" latinLnBrk="0" hangingPunct="1">
-      <a:defRPr sz="1200" kern="1200">
+    <a:lvl4pPr marL="946702" algn="l" defTabSz="631135" rtl="0" eaLnBrk="1" latinLnBrk="0" hangingPunct="1">
+      <a:defRPr sz="1300" kern="1200">
         <a:solidFill>
           <a:schemeClr val="tx1"/>
         </a:solidFill>
@@ -53,8 +53,8 @@
         <a:cs typeface="+mn-cs"/>
       </a:defRPr>
     </a:lvl4pPr>
-    <a:lvl5pPr marL="1206527" algn="l" defTabSz="603264" rtl="0" eaLnBrk="1" latinLnBrk="0" hangingPunct="1">
-      <a:defRPr sz="1200" kern="1200">
+    <a:lvl5pPr marL="1262269" algn="l" defTabSz="631135" rtl="0" eaLnBrk="1" latinLnBrk="0" hangingPunct="1">
+      <a:defRPr sz="1300" kern="1200">
         <a:solidFill>
           <a:schemeClr val="tx1"/>
         </a:solidFill>
@@ -63,8 +63,8 @@
         <a:cs typeface="+mn-cs"/>
       </a:defRPr>
     </a:lvl5pPr>
-    <a:lvl6pPr marL="1508160" algn="l" defTabSz="603264" rtl="0" eaLnBrk="1" latinLnBrk="0" hangingPunct="1">
-      <a:defRPr sz="1200" kern="1200">
+    <a:lvl6pPr marL="1577837" algn="l" defTabSz="631135" rtl="0" eaLnBrk="1" latinLnBrk="0" hangingPunct="1">
+      <a:defRPr sz="1300" kern="1200">
         <a:solidFill>
           <a:schemeClr val="tx1"/>
         </a:solidFill>
@@ -73,8 +73,8 @@
         <a:cs typeface="+mn-cs"/>
       </a:defRPr>
     </a:lvl6pPr>
-    <a:lvl7pPr marL="1809792" algn="l" defTabSz="603264" rtl="0" eaLnBrk="1" latinLnBrk="0" hangingPunct="1">
-      <a:defRPr sz="1200" kern="1200">
+    <a:lvl7pPr marL="1893404" algn="l" defTabSz="631135" rtl="0" eaLnBrk="1" latinLnBrk="0" hangingPunct="1">
+      <a:defRPr sz="1300" kern="1200">
         <a:solidFill>
           <a:schemeClr val="tx1"/>
         </a:solidFill>
@@ -83,8 +83,8 @@
         <a:cs typeface="+mn-cs"/>
       </a:defRPr>
     </a:lvl7pPr>
-    <a:lvl8pPr marL="2111423" algn="l" defTabSz="603264" rtl="0" eaLnBrk="1" latinLnBrk="0" hangingPunct="1">
-      <a:defRPr sz="1200" kern="1200">
+    <a:lvl8pPr marL="2208971" algn="l" defTabSz="631135" rtl="0" eaLnBrk="1" latinLnBrk="0" hangingPunct="1">
+      <a:defRPr sz="1300" kern="1200">
         <a:solidFill>
           <a:schemeClr val="tx1"/>
         </a:solidFill>
@@ -93,8 +93,8 @@
         <a:cs typeface="+mn-cs"/>
       </a:defRPr>
     </a:lvl8pPr>
-    <a:lvl9pPr marL="2413056" algn="l" defTabSz="603264" rtl="0" eaLnBrk="1" latinLnBrk="0" hangingPunct="1">
-      <a:defRPr sz="1200" kern="1200">
+    <a:lvl9pPr marL="2524539" algn="l" defTabSz="631135" rtl="0" eaLnBrk="1" latinLnBrk="0" hangingPunct="1">
+      <a:defRPr sz="1300" kern="1200">
         <a:solidFill>
           <a:schemeClr val="tx1"/>
         </a:solidFill>
@@ -136,8 +136,8 @@
         </p:nvSpPr>
         <p:spPr>
           <a:xfrm>
-            <a:off x="567095" y="1174200"/>
-            <a:ext cx="6427074" cy="810215"/>
+            <a:off x="594122" y="1398093"/>
+            <a:ext cx="6733382" cy="964704"/>
           </a:xfrm>
         </p:spPr>
         <p:txBody>
@@ -164,8 +164,8 @@
         </p:nvSpPr>
         <p:spPr>
           <a:xfrm>
-            <a:off x="1134190" y="2141910"/>
-            <a:ext cx="5292884" cy="965959"/>
+            <a:off x="1188247" y="2550322"/>
+            <a:ext cx="5545137" cy="1150144"/>
           </a:xfrm>
         </p:spPr>
         <p:txBody>
@@ -181,7 +181,7 @@
                 </a:solidFill>
               </a:defRPr>
             </a:lvl1pPr>
-            <a:lvl2pPr marL="301632" indent="0" algn="ctr">
+            <a:lvl2pPr marL="315567" indent="0" algn="ctr">
               <a:buNone/>
               <a:defRPr>
                 <a:solidFill>
@@ -191,7 +191,7 @@
                 </a:solidFill>
               </a:defRPr>
             </a:lvl2pPr>
-            <a:lvl3pPr marL="603264" indent="0" algn="ctr">
+            <a:lvl3pPr marL="631135" indent="0" algn="ctr">
               <a:buNone/>
               <a:defRPr>
                 <a:solidFill>
@@ -201,7 +201,7 @@
                 </a:solidFill>
               </a:defRPr>
             </a:lvl3pPr>
-            <a:lvl4pPr marL="904896" indent="0" algn="ctr">
+            <a:lvl4pPr marL="946702" indent="0" algn="ctr">
               <a:buNone/>
               <a:defRPr>
                 <a:solidFill>
@@ -211,7 +211,7 @@
                 </a:solidFill>
               </a:defRPr>
             </a:lvl4pPr>
-            <a:lvl5pPr marL="1206527" indent="0" algn="ctr">
+            <a:lvl5pPr marL="1262269" indent="0" algn="ctr">
               <a:buNone/>
               <a:defRPr>
                 <a:solidFill>
@@ -221,7 +221,7 @@
                 </a:solidFill>
               </a:defRPr>
             </a:lvl5pPr>
-            <a:lvl6pPr marL="1508160" indent="0" algn="ctr">
+            <a:lvl6pPr marL="1577837" indent="0" algn="ctr">
               <a:buNone/>
               <a:defRPr>
                 <a:solidFill>
@@ -231,7 +231,7 @@
                 </a:solidFill>
               </a:defRPr>
             </a:lvl6pPr>
-            <a:lvl7pPr marL="1809792" indent="0" algn="ctr">
+            <a:lvl7pPr marL="1893404" indent="0" algn="ctr">
               <a:buNone/>
               <a:defRPr>
                 <a:solidFill>
@@ -241,7 +241,7 @@
                 </a:solidFill>
               </a:defRPr>
             </a:lvl7pPr>
-            <a:lvl8pPr marL="2111423" indent="0" algn="ctr">
+            <a:lvl8pPr marL="2208971" indent="0" algn="ctr">
               <a:buNone/>
               <a:defRPr>
                 <a:solidFill>
@@ -251,7 +251,7 @@
                 </a:solidFill>
               </a:defRPr>
             </a:lvl8pPr>
-            <a:lvl9pPr marL="2413056" indent="0" algn="ctr">
+            <a:lvl9pPr marL="2524539" indent="0" algn="ctr">
               <a:buNone/>
               <a:defRPr>
                 <a:solidFill>
@@ -288,7 +288,7 @@
           <a:p>
             <a:fld id="{3097C0B5-91AC-48E7-9491-0103F3077C36}" type="datetimeFigureOut">
               <a:rPr lang="en-GB" smtClean="0"/>
-              <a:t>25/06/2014</a:t>
+              <a:t>26/09/2014</a:t>
             </a:fld>
             <a:endParaRPr lang="en-GB"/>
           </a:p>
@@ -458,7 +458,7 @@
           <a:p>
             <a:fld id="{3097C0B5-91AC-48E7-9491-0103F3077C36}" type="datetimeFigureOut">
               <a:rPr lang="en-GB" smtClean="0"/>
-              <a:t>25/06/2014</a:t>
+              <a:t>26/09/2014</a:t>
             </a:fld>
             <a:endParaRPr lang="en-GB"/>
           </a:p>
@@ -548,8 +548,8 @@
         </p:nvSpPr>
         <p:spPr>
           <a:xfrm>
-            <a:off x="5396592" y="79622"/>
-            <a:ext cx="1675029" cy="1693052"/>
+            <a:off x="5653794" y="94804"/>
+            <a:ext cx="1754859" cy="2015877"/>
           </a:xfrm>
         </p:spPr>
         <p:txBody>
@@ -576,8 +576,8 @@
         </p:nvSpPr>
         <p:spPr>
           <a:xfrm>
-            <a:off x="371502" y="79622"/>
-            <a:ext cx="4899068" cy="1693052"/>
+            <a:off x="389209" y="94804"/>
+            <a:ext cx="5132553" cy="2015877"/>
           </a:xfrm>
         </p:spPr>
         <p:txBody>
@@ -638,7 +638,7 @@
           <a:p>
             <a:fld id="{3097C0B5-91AC-48E7-9491-0103F3077C36}" type="datetimeFigureOut">
               <a:rPr lang="en-GB" smtClean="0"/>
-              <a:t>25/06/2014</a:t>
+              <a:t>26/09/2014</a:t>
             </a:fld>
             <a:endParaRPr lang="en-GB"/>
           </a:p>
@@ -808,7 +808,7 @@
           <a:p>
             <a:fld id="{3097C0B5-91AC-48E7-9491-0103F3077C36}" type="datetimeFigureOut">
               <a:rPr lang="en-GB" smtClean="0"/>
-              <a:t>25/06/2014</a:t>
+              <a:t>26/09/2014</a:t>
             </a:fld>
             <a:endParaRPr lang="en-GB"/>
           </a:p>
@@ -898,15 +898,15 @@
         </p:nvSpPr>
         <p:spPr>
           <a:xfrm>
-            <a:off x="597288" y="2428898"/>
-            <a:ext cx="6427074" cy="750717"/>
+            <a:off x="625754" y="2892032"/>
+            <a:ext cx="6733382" cy="893860"/>
           </a:xfrm>
         </p:spPr>
         <p:txBody>
           <a:bodyPr anchor="t"/>
           <a:lstStyle>
             <a:lvl1pPr algn="l">
-              <a:defRPr sz="2600" b="1" cap="all"/>
+              <a:defRPr sz="2700" b="1" cap="all"/>
             </a:lvl1pPr>
           </a:lstStyle>
           <a:p>
@@ -930,8 +930,8 @@
         </p:nvSpPr>
         <p:spPr>
           <a:xfrm>
-            <a:off x="597288" y="1602058"/>
-            <a:ext cx="6427074" cy="826840"/>
+            <a:off x="625754" y="1907532"/>
+            <a:ext cx="6733382" cy="984499"/>
           </a:xfrm>
         </p:spPr>
         <p:txBody>
@@ -939,7 +939,7 @@
           <a:lstStyle>
             <a:lvl1pPr marL="0" indent="0">
               <a:buNone/>
-              <a:defRPr sz="1400">
+              <a:defRPr sz="1500">
                 <a:solidFill>
                   <a:schemeClr val="tx1">
                     <a:tint val="75000"/>
@@ -947,7 +947,17 @@
                 </a:solidFill>
               </a:defRPr>
             </a:lvl1pPr>
-            <a:lvl2pPr marL="301632" indent="0">
+            <a:lvl2pPr marL="315567" indent="0">
+              <a:buNone/>
+              <a:defRPr sz="1300">
+                <a:solidFill>
+                  <a:schemeClr val="tx1">
+                    <a:tint val="75000"/>
+                  </a:schemeClr>
+                </a:solidFill>
+              </a:defRPr>
+            </a:lvl2pPr>
+            <a:lvl3pPr marL="631135" indent="0">
               <a:buNone/>
               <a:defRPr sz="1200">
                 <a:solidFill>
@@ -956,18 +966,8 @@
                   </a:schemeClr>
                 </a:solidFill>
               </a:defRPr>
-            </a:lvl2pPr>
-            <a:lvl3pPr marL="603264" indent="0">
-              <a:buNone/>
-              <a:defRPr sz="1100">
-                <a:solidFill>
-                  <a:schemeClr val="tx1">
-                    <a:tint val="75000"/>
-                  </a:schemeClr>
-                </a:solidFill>
-              </a:defRPr>
             </a:lvl3pPr>
-            <a:lvl4pPr marL="904896" indent="0">
+            <a:lvl4pPr marL="946702" indent="0">
               <a:buNone/>
               <a:defRPr sz="900">
                 <a:solidFill>
@@ -977,7 +977,7 @@
                 </a:solidFill>
               </a:defRPr>
             </a:lvl4pPr>
-            <a:lvl5pPr marL="1206527" indent="0">
+            <a:lvl5pPr marL="1262269" indent="0">
               <a:buNone/>
               <a:defRPr sz="900">
                 <a:solidFill>
@@ -987,7 +987,7 @@
                 </a:solidFill>
               </a:defRPr>
             </a:lvl5pPr>
-            <a:lvl6pPr marL="1508160" indent="0">
+            <a:lvl6pPr marL="1577837" indent="0">
               <a:buNone/>
               <a:defRPr sz="900">
                 <a:solidFill>
@@ -997,7 +997,7 @@
                 </a:solidFill>
               </a:defRPr>
             </a:lvl6pPr>
-            <a:lvl7pPr marL="1809792" indent="0">
+            <a:lvl7pPr marL="1893404" indent="0">
               <a:buNone/>
               <a:defRPr sz="900">
                 <a:solidFill>
@@ -1007,7 +1007,7 @@
                 </a:solidFill>
               </a:defRPr>
             </a:lvl7pPr>
-            <a:lvl8pPr marL="2111423" indent="0">
+            <a:lvl8pPr marL="2208971" indent="0">
               <a:buNone/>
               <a:defRPr sz="900">
                 <a:solidFill>
@@ -1017,7 +1017,7 @@
                 </a:solidFill>
               </a:defRPr>
             </a:lvl8pPr>
-            <a:lvl9pPr marL="2413056" indent="0">
+            <a:lvl9pPr marL="2524539" indent="0">
               <a:buNone/>
               <a:defRPr sz="900">
                 <a:solidFill>
@@ -1054,7 +1054,7 @@
           <a:p>
             <a:fld id="{3097C0B5-91AC-48E7-9491-0103F3077C36}" type="datetimeFigureOut">
               <a:rPr lang="en-GB" smtClean="0"/>
-              <a:t>25/06/2014</a:t>
+              <a:t>26/09/2014</a:t>
             </a:fld>
             <a:endParaRPr lang="en-GB"/>
           </a:p>
@@ -1167,39 +1167,39 @@
         </p:nvSpPr>
         <p:spPr>
           <a:xfrm>
-            <a:off x="371502" y="462856"/>
-            <a:ext cx="3287049" cy="1309819"/>
+            <a:off x="389208" y="551113"/>
+            <a:ext cx="3443706" cy="1559571"/>
           </a:xfrm>
         </p:spPr>
         <p:txBody>
           <a:bodyPr/>
           <a:lstStyle>
             <a:lvl1pPr>
-              <a:defRPr sz="1800"/>
+              <a:defRPr sz="1900"/>
             </a:lvl1pPr>
             <a:lvl2pPr>
-              <a:defRPr sz="1600"/>
+              <a:defRPr sz="1700"/>
             </a:lvl2pPr>
             <a:lvl3pPr>
-              <a:defRPr sz="1400"/>
+              <a:defRPr sz="1500"/>
             </a:lvl3pPr>
             <a:lvl4pPr>
-              <a:defRPr sz="1200"/>
+              <a:defRPr sz="1300"/>
             </a:lvl4pPr>
             <a:lvl5pPr>
-              <a:defRPr sz="1200"/>
+              <a:defRPr sz="1300"/>
             </a:lvl5pPr>
             <a:lvl6pPr>
-              <a:defRPr sz="1200"/>
+              <a:defRPr sz="1300"/>
             </a:lvl6pPr>
             <a:lvl7pPr>
-              <a:defRPr sz="1200"/>
+              <a:defRPr sz="1300"/>
             </a:lvl7pPr>
             <a:lvl8pPr>
-              <a:defRPr sz="1200"/>
+              <a:defRPr sz="1300"/>
             </a:lvl8pPr>
             <a:lvl9pPr>
-              <a:defRPr sz="1200"/>
+              <a:defRPr sz="1300"/>
             </a:lvl9pPr>
           </a:lstStyle>
           <a:p>
@@ -1252,39 +1252,39 @@
         </p:nvSpPr>
         <p:spPr>
           <a:xfrm>
-            <a:off x="3784572" y="462856"/>
-            <a:ext cx="3287049" cy="1309819"/>
+            <a:off x="3964945" y="551113"/>
+            <a:ext cx="3443706" cy="1559571"/>
           </a:xfrm>
         </p:spPr>
         <p:txBody>
           <a:bodyPr/>
           <a:lstStyle>
             <a:lvl1pPr>
-              <a:defRPr sz="1800"/>
+              <a:defRPr sz="1900"/>
             </a:lvl1pPr>
             <a:lvl2pPr>
-              <a:defRPr sz="1600"/>
+              <a:defRPr sz="1700"/>
             </a:lvl2pPr>
             <a:lvl3pPr>
-              <a:defRPr sz="1400"/>
+              <a:defRPr sz="1500"/>
             </a:lvl3pPr>
             <a:lvl4pPr>
-              <a:defRPr sz="1200"/>
+              <a:defRPr sz="1300"/>
             </a:lvl4pPr>
             <a:lvl5pPr>
-              <a:defRPr sz="1200"/>
+              <a:defRPr sz="1300"/>
             </a:lvl5pPr>
             <a:lvl6pPr>
-              <a:defRPr sz="1200"/>
+              <a:defRPr sz="1300"/>
             </a:lvl6pPr>
             <a:lvl7pPr>
-              <a:defRPr sz="1200"/>
+              <a:defRPr sz="1300"/>
             </a:lvl7pPr>
             <a:lvl8pPr>
-              <a:defRPr sz="1200"/>
+              <a:defRPr sz="1300"/>
             </a:lvl8pPr>
             <a:lvl9pPr>
-              <a:defRPr sz="1200"/>
+              <a:defRPr sz="1300"/>
             </a:lvl9pPr>
           </a:lstStyle>
           <a:p>
@@ -1342,7 +1342,7 @@
           <a:p>
             <a:fld id="{3097C0B5-91AC-48E7-9491-0103F3077C36}" type="datetimeFigureOut">
               <a:rPr lang="en-GB" smtClean="0"/>
-              <a:t>25/06/2014</a:t>
+              <a:t>26/09/2014</a:t>
             </a:fld>
             <a:endParaRPr lang="en-GB"/>
           </a:p>
@@ -1432,8 +1432,8 @@
         </p:nvSpPr>
         <p:spPr>
           <a:xfrm>
-            <a:off x="378065" y="151370"/>
-            <a:ext cx="6805137" cy="629973"/>
+            <a:off x="396087" y="180236"/>
+            <a:ext cx="7129463" cy="750095"/>
           </a:xfrm>
         </p:spPr>
         <p:txBody>
@@ -1464,8 +1464,8 @@
         </p:nvSpPr>
         <p:spPr>
           <a:xfrm>
-            <a:off x="378065" y="846090"/>
-            <a:ext cx="3340871" cy="352610"/>
+            <a:off x="396089" y="1007421"/>
+            <a:ext cx="3500093" cy="419846"/>
           </a:xfrm>
         </p:spPr>
         <p:txBody>
@@ -1473,39 +1473,39 @@
           <a:lstStyle>
             <a:lvl1pPr marL="0" indent="0">
               <a:buNone/>
-              <a:defRPr sz="1600" b="1"/>
+              <a:defRPr sz="1700" b="1"/>
             </a:lvl1pPr>
-            <a:lvl2pPr marL="301632" indent="0">
-              <a:buNone/>
-              <a:defRPr sz="1400" b="1"/>
+            <a:lvl2pPr marL="315567" indent="0">
+              <a:buNone/>
+              <a:defRPr sz="1500" b="1"/>
             </a:lvl2pPr>
-            <a:lvl3pPr marL="603264" indent="0">
+            <a:lvl3pPr marL="631135" indent="0">
+              <a:buNone/>
+              <a:defRPr sz="1300" b="1"/>
+            </a:lvl3pPr>
+            <a:lvl4pPr marL="946702" indent="0">
               <a:buNone/>
               <a:defRPr sz="1200" b="1"/>
-            </a:lvl3pPr>
-            <a:lvl4pPr marL="904896" indent="0">
-              <a:buNone/>
-              <a:defRPr sz="1100" b="1"/>
             </a:lvl4pPr>
-            <a:lvl5pPr marL="1206527" indent="0">
-              <a:buNone/>
-              <a:defRPr sz="1100" b="1"/>
+            <a:lvl5pPr marL="1262269" indent="0">
+              <a:buNone/>
+              <a:defRPr sz="1200" b="1"/>
             </a:lvl5pPr>
-            <a:lvl6pPr marL="1508160" indent="0">
-              <a:buNone/>
-              <a:defRPr sz="1100" b="1"/>
+            <a:lvl6pPr marL="1577837" indent="0">
+              <a:buNone/>
+              <a:defRPr sz="1200" b="1"/>
             </a:lvl6pPr>
-            <a:lvl7pPr marL="1809792" indent="0">
-              <a:buNone/>
-              <a:defRPr sz="1100" b="1"/>
+            <a:lvl7pPr marL="1893404" indent="0">
+              <a:buNone/>
+              <a:defRPr sz="1200" b="1"/>
             </a:lvl7pPr>
-            <a:lvl8pPr marL="2111423" indent="0">
-              <a:buNone/>
-              <a:defRPr sz="1100" b="1"/>
+            <a:lvl8pPr marL="2208971" indent="0">
+              <a:buNone/>
+              <a:defRPr sz="1200" b="1"/>
             </a:lvl8pPr>
-            <a:lvl9pPr marL="2413056" indent="0">
-              <a:buNone/>
-              <a:defRPr sz="1100" b="1"/>
+            <a:lvl9pPr marL="2524539" indent="0">
+              <a:buNone/>
+              <a:defRPr sz="1200" b="1"/>
             </a:lvl9pPr>
           </a:lstStyle>
           <a:p>
@@ -1529,39 +1529,39 @@
         </p:nvSpPr>
         <p:spPr>
           <a:xfrm>
-            <a:off x="378065" y="1198698"/>
-            <a:ext cx="3340871" cy="2177782"/>
+            <a:off x="396089" y="1427265"/>
+            <a:ext cx="3500093" cy="2593033"/>
           </a:xfrm>
         </p:spPr>
         <p:txBody>
           <a:bodyPr/>
           <a:lstStyle>
             <a:lvl1pPr>
-              <a:defRPr sz="1600"/>
+              <a:defRPr sz="1700"/>
             </a:lvl1pPr>
             <a:lvl2pPr>
-              <a:defRPr sz="1400"/>
+              <a:defRPr sz="1500"/>
             </a:lvl2pPr>
             <a:lvl3pPr>
-              <a:defRPr sz="1200"/>
+              <a:defRPr sz="1300"/>
             </a:lvl3pPr>
             <a:lvl4pPr>
-              <a:defRPr sz="1100"/>
+              <a:defRPr sz="1200"/>
             </a:lvl4pPr>
             <a:lvl5pPr>
-              <a:defRPr sz="1100"/>
+              <a:defRPr sz="1200"/>
             </a:lvl5pPr>
             <a:lvl6pPr>
-              <a:defRPr sz="1100"/>
+              <a:defRPr sz="1200"/>
             </a:lvl6pPr>
             <a:lvl7pPr>
-              <a:defRPr sz="1100"/>
+              <a:defRPr sz="1200"/>
             </a:lvl7pPr>
             <a:lvl8pPr>
-              <a:defRPr sz="1100"/>
+              <a:defRPr sz="1200"/>
             </a:lvl8pPr>
             <a:lvl9pPr>
-              <a:defRPr sz="1100"/>
+              <a:defRPr sz="1200"/>
             </a:lvl9pPr>
           </a:lstStyle>
           <a:p>
@@ -1614,8 +1614,8 @@
         </p:nvSpPr>
         <p:spPr>
           <a:xfrm>
-            <a:off x="3841018" y="846090"/>
-            <a:ext cx="3342183" cy="352610"/>
+            <a:off x="4024081" y="1007421"/>
+            <a:ext cx="3501468" cy="419846"/>
           </a:xfrm>
         </p:spPr>
         <p:txBody>
@@ -1623,39 +1623,39 @@
           <a:lstStyle>
             <a:lvl1pPr marL="0" indent="0">
               <a:buNone/>
-              <a:defRPr sz="1600" b="1"/>
+              <a:defRPr sz="1700" b="1"/>
             </a:lvl1pPr>
-            <a:lvl2pPr marL="301632" indent="0">
-              <a:buNone/>
-              <a:defRPr sz="1400" b="1"/>
+            <a:lvl2pPr marL="315567" indent="0">
+              <a:buNone/>
+              <a:defRPr sz="1500" b="1"/>
             </a:lvl2pPr>
-            <a:lvl3pPr marL="603264" indent="0">
+            <a:lvl3pPr marL="631135" indent="0">
+              <a:buNone/>
+              <a:defRPr sz="1300" b="1"/>
+            </a:lvl3pPr>
+            <a:lvl4pPr marL="946702" indent="0">
               <a:buNone/>
               <a:defRPr sz="1200" b="1"/>
-            </a:lvl3pPr>
-            <a:lvl4pPr marL="904896" indent="0">
-              <a:buNone/>
-              <a:defRPr sz="1100" b="1"/>
             </a:lvl4pPr>
-            <a:lvl5pPr marL="1206527" indent="0">
-              <a:buNone/>
-              <a:defRPr sz="1100" b="1"/>
+            <a:lvl5pPr marL="1262269" indent="0">
+              <a:buNone/>
+              <a:defRPr sz="1200" b="1"/>
             </a:lvl5pPr>
-            <a:lvl6pPr marL="1508160" indent="0">
-              <a:buNone/>
-              <a:defRPr sz="1100" b="1"/>
+            <a:lvl6pPr marL="1577837" indent="0">
+              <a:buNone/>
+              <a:defRPr sz="1200" b="1"/>
             </a:lvl6pPr>
-            <a:lvl7pPr marL="1809792" indent="0">
-              <a:buNone/>
-              <a:defRPr sz="1100" b="1"/>
+            <a:lvl7pPr marL="1893404" indent="0">
+              <a:buNone/>
+              <a:defRPr sz="1200" b="1"/>
             </a:lvl7pPr>
-            <a:lvl8pPr marL="2111423" indent="0">
-              <a:buNone/>
-              <a:defRPr sz="1100" b="1"/>
+            <a:lvl8pPr marL="2208971" indent="0">
+              <a:buNone/>
+              <a:defRPr sz="1200" b="1"/>
             </a:lvl8pPr>
-            <a:lvl9pPr marL="2413056" indent="0">
-              <a:buNone/>
-              <a:defRPr sz="1100" b="1"/>
+            <a:lvl9pPr marL="2524539" indent="0">
+              <a:buNone/>
+              <a:defRPr sz="1200" b="1"/>
             </a:lvl9pPr>
           </a:lstStyle>
           <a:p>
@@ -1679,39 +1679,39 @@
         </p:nvSpPr>
         <p:spPr>
           <a:xfrm>
-            <a:off x="3841018" y="1198698"/>
-            <a:ext cx="3342183" cy="2177782"/>
+            <a:off x="4024081" y="1427265"/>
+            <a:ext cx="3501468" cy="2593033"/>
           </a:xfrm>
         </p:spPr>
         <p:txBody>
           <a:bodyPr/>
           <a:lstStyle>
             <a:lvl1pPr>
-              <a:defRPr sz="1600"/>
+              <a:defRPr sz="1700"/>
             </a:lvl1pPr>
             <a:lvl2pPr>
-              <a:defRPr sz="1400"/>
+              <a:defRPr sz="1500"/>
             </a:lvl2pPr>
             <a:lvl3pPr>
-              <a:defRPr sz="1200"/>
+              <a:defRPr sz="1300"/>
             </a:lvl3pPr>
             <a:lvl4pPr>
-              <a:defRPr sz="1100"/>
+              <a:defRPr sz="1200"/>
             </a:lvl4pPr>
             <a:lvl5pPr>
-              <a:defRPr sz="1100"/>
+              <a:defRPr sz="1200"/>
             </a:lvl5pPr>
             <a:lvl6pPr>
-              <a:defRPr sz="1100"/>
+              <a:defRPr sz="1200"/>
             </a:lvl6pPr>
             <a:lvl7pPr>
-              <a:defRPr sz="1100"/>
+              <a:defRPr sz="1200"/>
             </a:lvl7pPr>
             <a:lvl8pPr>
-              <a:defRPr sz="1100"/>
+              <a:defRPr sz="1200"/>
             </a:lvl8pPr>
             <a:lvl9pPr>
-              <a:defRPr sz="1100"/>
+              <a:defRPr sz="1200"/>
             </a:lvl9pPr>
           </a:lstStyle>
           <a:p>
@@ -1769,7 +1769,7 @@
           <a:p>
             <a:fld id="{3097C0B5-91AC-48E7-9491-0103F3077C36}" type="datetimeFigureOut">
               <a:rPr lang="en-GB" smtClean="0"/>
-              <a:t>25/06/2014</a:t>
+              <a:t>26/09/2014</a:t>
             </a:fld>
             <a:endParaRPr lang="en-GB"/>
           </a:p>
@@ -1887,7 +1887,7 @@
           <a:p>
             <a:fld id="{3097C0B5-91AC-48E7-9491-0103F3077C36}" type="datetimeFigureOut">
               <a:rPr lang="en-GB" smtClean="0"/>
-              <a:t>25/06/2014</a:t>
+              <a:t>26/09/2014</a:t>
             </a:fld>
             <a:endParaRPr lang="en-GB"/>
           </a:p>
@@ -1982,7 +1982,7 @@
           <a:p>
             <a:fld id="{3097C0B5-91AC-48E7-9491-0103F3077C36}" type="datetimeFigureOut">
               <a:rPr lang="en-GB" smtClean="0"/>
-              <a:t>25/06/2014</a:t>
+              <a:t>26/09/2014</a:t>
             </a:fld>
             <a:endParaRPr lang="en-GB"/>
           </a:p>
@@ -2072,15 +2072,15 @@
         </p:nvSpPr>
         <p:spPr>
           <a:xfrm>
-            <a:off x="378065" y="150493"/>
-            <a:ext cx="2487603" cy="640472"/>
+            <a:off x="396088" y="179189"/>
+            <a:ext cx="2606160" cy="762594"/>
           </a:xfrm>
         </p:spPr>
         <p:txBody>
           <a:bodyPr anchor="b"/>
           <a:lstStyle>
             <a:lvl1pPr algn="l">
-              <a:defRPr sz="1400" b="1"/>
+              <a:defRPr sz="1500" b="1"/>
             </a:lvl1pPr>
           </a:lstStyle>
           <a:p>
@@ -2104,39 +2104,39 @@
         </p:nvSpPr>
         <p:spPr>
           <a:xfrm>
-            <a:off x="2956245" y="150495"/>
-            <a:ext cx="4226956" cy="3225987"/>
+            <a:off x="3097138" y="179195"/>
+            <a:ext cx="4428408" cy="3841106"/>
           </a:xfrm>
         </p:spPr>
         <p:txBody>
           <a:bodyPr/>
           <a:lstStyle>
             <a:lvl1pPr>
-              <a:defRPr sz="2100"/>
+              <a:defRPr sz="2200"/>
             </a:lvl1pPr>
             <a:lvl2pPr>
-              <a:defRPr sz="1800"/>
+              <a:defRPr sz="1900"/>
             </a:lvl2pPr>
             <a:lvl3pPr>
-              <a:defRPr sz="1600"/>
+              <a:defRPr sz="1700"/>
             </a:lvl3pPr>
             <a:lvl4pPr>
-              <a:defRPr sz="1400"/>
+              <a:defRPr sz="1500"/>
             </a:lvl4pPr>
             <a:lvl5pPr>
-              <a:defRPr sz="1400"/>
+              <a:defRPr sz="1500"/>
             </a:lvl5pPr>
             <a:lvl6pPr>
-              <a:defRPr sz="1400"/>
+              <a:defRPr sz="1500"/>
             </a:lvl6pPr>
             <a:lvl7pPr>
-              <a:defRPr sz="1400"/>
+              <a:defRPr sz="1500"/>
             </a:lvl7pPr>
             <a:lvl8pPr>
-              <a:defRPr sz="1400"/>
+              <a:defRPr sz="1500"/>
             </a:lvl8pPr>
             <a:lvl9pPr>
-              <a:defRPr sz="1400"/>
+              <a:defRPr sz="1500"/>
             </a:lvl9pPr>
           </a:lstStyle>
           <a:p>
@@ -2189,8 +2189,8 @@
         </p:nvSpPr>
         <p:spPr>
           <a:xfrm>
-            <a:off x="378065" y="790967"/>
-            <a:ext cx="2487603" cy="2585514"/>
+            <a:off x="396088" y="941786"/>
+            <a:ext cx="2606160" cy="3078510"/>
           </a:xfrm>
         </p:spPr>
         <p:txBody>
@@ -2200,35 +2200,35 @@
               <a:buNone/>
               <a:defRPr sz="900"/>
             </a:lvl1pPr>
-            <a:lvl2pPr marL="301632" indent="0">
+            <a:lvl2pPr marL="315567" indent="0">
               <a:buNone/>
               <a:defRPr sz="700"/>
             </a:lvl2pPr>
-            <a:lvl3pPr marL="603264" indent="0">
+            <a:lvl3pPr marL="631135" indent="0">
               <a:buNone/>
               <a:defRPr sz="600"/>
             </a:lvl3pPr>
-            <a:lvl4pPr marL="904896" indent="0">
+            <a:lvl4pPr marL="946702" indent="0">
               <a:buNone/>
               <a:defRPr sz="500"/>
             </a:lvl4pPr>
-            <a:lvl5pPr marL="1206527" indent="0">
+            <a:lvl5pPr marL="1262269" indent="0">
               <a:buNone/>
               <a:defRPr sz="500"/>
             </a:lvl5pPr>
-            <a:lvl6pPr marL="1508160" indent="0">
+            <a:lvl6pPr marL="1577837" indent="0">
               <a:buNone/>
               <a:defRPr sz="500"/>
             </a:lvl6pPr>
-            <a:lvl7pPr marL="1809792" indent="0">
+            <a:lvl7pPr marL="1893404" indent="0">
               <a:buNone/>
               <a:defRPr sz="500"/>
             </a:lvl7pPr>
-            <a:lvl8pPr marL="2111423" indent="0">
+            <a:lvl8pPr marL="2208971" indent="0">
               <a:buNone/>
               <a:defRPr sz="500"/>
             </a:lvl8pPr>
-            <a:lvl9pPr marL="2413056" indent="0">
+            <a:lvl9pPr marL="2524539" indent="0">
               <a:buNone/>
               <a:defRPr sz="500"/>
             </a:lvl9pPr>
@@ -2259,7 +2259,7 @@
           <a:p>
             <a:fld id="{3097C0B5-91AC-48E7-9491-0103F3077C36}" type="datetimeFigureOut">
               <a:rPr lang="en-GB" smtClean="0"/>
-              <a:t>25/06/2014</a:t>
+              <a:t>26/09/2014</a:t>
             </a:fld>
             <a:endParaRPr lang="en-GB"/>
           </a:p>
@@ -2349,15 +2349,15 @@
         </p:nvSpPr>
         <p:spPr>
           <a:xfrm>
-            <a:off x="1482062" y="2645888"/>
-            <a:ext cx="4536758" cy="312361"/>
+            <a:off x="1552698" y="3150396"/>
+            <a:ext cx="4752975" cy="371920"/>
           </a:xfrm>
         </p:spPr>
         <p:txBody>
           <a:bodyPr anchor="b"/>
           <a:lstStyle>
             <a:lvl1pPr algn="l">
-              <a:defRPr sz="1400" b="1"/>
+              <a:defRPr sz="1500" b="1"/>
             </a:lvl1pPr>
           </a:lstStyle>
           <a:p>
@@ -2381,8 +2381,8 @@
         </p:nvSpPr>
         <p:spPr>
           <a:xfrm>
-            <a:off x="1482062" y="337736"/>
-            <a:ext cx="4536758" cy="2267903"/>
+            <a:off x="1552698" y="402138"/>
+            <a:ext cx="4752975" cy="2700338"/>
           </a:xfrm>
         </p:spPr>
         <p:txBody>
@@ -2390,39 +2390,39 @@
           <a:lstStyle>
             <a:lvl1pPr marL="0" indent="0">
               <a:buNone/>
-              <a:defRPr sz="2100"/>
+              <a:defRPr sz="2200"/>
             </a:lvl1pPr>
-            <a:lvl2pPr marL="301632" indent="0">
-              <a:buNone/>
-              <a:defRPr sz="1800"/>
+            <a:lvl2pPr marL="315567" indent="0">
+              <a:buNone/>
+              <a:defRPr sz="1900"/>
             </a:lvl2pPr>
-            <a:lvl3pPr marL="603264" indent="0">
-              <a:buNone/>
-              <a:defRPr sz="1600"/>
+            <a:lvl3pPr marL="631135" indent="0">
+              <a:buNone/>
+              <a:defRPr sz="1700"/>
             </a:lvl3pPr>
-            <a:lvl4pPr marL="904896" indent="0">
-              <a:buNone/>
-              <a:defRPr sz="1400"/>
+            <a:lvl4pPr marL="946702" indent="0">
+              <a:buNone/>
+              <a:defRPr sz="1500"/>
             </a:lvl4pPr>
-            <a:lvl5pPr marL="1206527" indent="0">
-              <a:buNone/>
-              <a:defRPr sz="1400"/>
+            <a:lvl5pPr marL="1262269" indent="0">
+              <a:buNone/>
+              <a:defRPr sz="1500"/>
             </a:lvl5pPr>
-            <a:lvl6pPr marL="1508160" indent="0">
-              <a:buNone/>
-              <a:defRPr sz="1400"/>
+            <a:lvl6pPr marL="1577837" indent="0">
+              <a:buNone/>
+              <a:defRPr sz="1500"/>
             </a:lvl6pPr>
-            <a:lvl7pPr marL="1809792" indent="0">
-              <a:buNone/>
-              <a:defRPr sz="1400"/>
+            <a:lvl7pPr marL="1893404" indent="0">
+              <a:buNone/>
+              <a:defRPr sz="1500"/>
             </a:lvl7pPr>
-            <a:lvl8pPr marL="2111423" indent="0">
-              <a:buNone/>
-              <a:defRPr sz="1400"/>
+            <a:lvl8pPr marL="2208971" indent="0">
+              <a:buNone/>
+              <a:defRPr sz="1500"/>
             </a:lvl8pPr>
-            <a:lvl9pPr marL="2413056" indent="0">
-              <a:buNone/>
-              <a:defRPr sz="1400"/>
+            <a:lvl9pPr marL="2524539" indent="0">
+              <a:buNone/>
+              <a:defRPr sz="1500"/>
             </a:lvl9pPr>
           </a:lstStyle>
           <a:p>
@@ -2442,8 +2442,8 @@
         </p:nvSpPr>
         <p:spPr>
           <a:xfrm>
-            <a:off x="1482062" y="2958249"/>
-            <a:ext cx="4536758" cy="443606"/>
+            <a:off x="1552698" y="3522316"/>
+            <a:ext cx="4752975" cy="528191"/>
           </a:xfrm>
         </p:spPr>
         <p:txBody>
@@ -2453,35 +2453,35 @@
               <a:buNone/>
               <a:defRPr sz="900"/>
             </a:lvl1pPr>
-            <a:lvl2pPr marL="301632" indent="0">
+            <a:lvl2pPr marL="315567" indent="0">
               <a:buNone/>
               <a:defRPr sz="700"/>
             </a:lvl2pPr>
-            <a:lvl3pPr marL="603264" indent="0">
+            <a:lvl3pPr marL="631135" indent="0">
               <a:buNone/>
               <a:defRPr sz="600"/>
             </a:lvl3pPr>
-            <a:lvl4pPr marL="904896" indent="0">
+            <a:lvl4pPr marL="946702" indent="0">
               <a:buNone/>
               <a:defRPr sz="500"/>
             </a:lvl4pPr>
-            <a:lvl5pPr marL="1206527" indent="0">
+            <a:lvl5pPr marL="1262269" indent="0">
               <a:buNone/>
               <a:defRPr sz="500"/>
             </a:lvl5pPr>
-            <a:lvl6pPr marL="1508160" indent="0">
+            <a:lvl6pPr marL="1577837" indent="0">
               <a:buNone/>
               <a:defRPr sz="500"/>
             </a:lvl6pPr>
-            <a:lvl7pPr marL="1809792" indent="0">
+            <a:lvl7pPr marL="1893404" indent="0">
               <a:buNone/>
               <a:defRPr sz="500"/>
             </a:lvl7pPr>
-            <a:lvl8pPr marL="2111423" indent="0">
+            <a:lvl8pPr marL="2208971" indent="0">
               <a:buNone/>
               <a:defRPr sz="500"/>
             </a:lvl8pPr>
-            <a:lvl9pPr marL="2413056" indent="0">
+            <a:lvl9pPr marL="2524539" indent="0">
               <a:buNone/>
               <a:defRPr sz="500"/>
             </a:lvl9pPr>
@@ -2512,7 +2512,7 @@
           <a:p>
             <a:fld id="{3097C0B5-91AC-48E7-9491-0103F3077C36}" type="datetimeFigureOut">
               <a:rPr lang="en-GB" smtClean="0"/>
-              <a:t>25/06/2014</a:t>
+              <a:t>26/09/2014</a:t>
             </a:fld>
             <a:endParaRPr lang="en-GB"/>
           </a:p>
@@ -2607,15 +2607,15 @@
         </p:nvSpPr>
         <p:spPr>
           <a:xfrm>
-            <a:off x="378065" y="151370"/>
-            <a:ext cx="6805137" cy="629973"/>
+            <a:off x="396087" y="180236"/>
+            <a:ext cx="7129463" cy="750095"/>
           </a:xfrm>
           <a:prstGeom prst="rect">
             <a:avLst/>
           </a:prstGeom>
         </p:spPr>
         <p:txBody>
-          <a:bodyPr vert="horz" lIns="60327" tIns="30163" rIns="60327" bIns="30163" rtlCol="0" anchor="ctr">
+          <a:bodyPr vert="horz" lIns="63114" tIns="31557" rIns="63114" bIns="31557" rtlCol="0" anchor="ctr">
             <a:normAutofit/>
           </a:bodyPr>
           <a:lstStyle/>
@@ -2640,15 +2640,15 @@
         </p:nvSpPr>
         <p:spPr>
           <a:xfrm>
-            <a:off x="378065" y="881963"/>
-            <a:ext cx="6805137" cy="2494519"/>
+            <a:off x="396087" y="1050133"/>
+            <a:ext cx="7129463" cy="2970164"/>
           </a:xfrm>
           <a:prstGeom prst="rect">
             <a:avLst/>
           </a:prstGeom>
         </p:spPr>
         <p:txBody>
-          <a:bodyPr vert="horz" lIns="60327" tIns="30163" rIns="60327" bIns="30163" rtlCol="0">
+          <a:bodyPr vert="horz" lIns="63114" tIns="31557" rIns="63114" bIns="31557" rtlCol="0">
             <a:normAutofit/>
           </a:bodyPr>
           <a:lstStyle/>
@@ -2702,15 +2702,15 @@
         </p:nvSpPr>
         <p:spPr>
           <a:xfrm>
-            <a:off x="378065" y="3503352"/>
-            <a:ext cx="1764295" cy="201242"/>
+            <a:off x="396088" y="4171362"/>
+            <a:ext cx="1848379" cy="239614"/>
           </a:xfrm>
           <a:prstGeom prst="rect">
             <a:avLst/>
           </a:prstGeom>
         </p:spPr>
         <p:txBody>
-          <a:bodyPr vert="horz" lIns="60327" tIns="30163" rIns="60327" bIns="30163" rtlCol="0" anchor="ctr"/>
+          <a:bodyPr vert="horz" lIns="63114" tIns="31557" rIns="63114" bIns="31557" rtlCol="0" anchor="ctr"/>
           <a:lstStyle>
             <a:lvl1pPr algn="l">
               <a:defRPr sz="700">
@@ -2725,7 +2725,7 @@
           <a:p>
             <a:fld id="{3097C0B5-91AC-48E7-9491-0103F3077C36}" type="datetimeFigureOut">
               <a:rPr lang="en-GB" smtClean="0"/>
-              <a:t>25/06/2014</a:t>
+              <a:t>26/09/2014</a:t>
             </a:fld>
             <a:endParaRPr lang="en-GB"/>
           </a:p>
@@ -2743,15 +2743,15 @@
         </p:nvSpPr>
         <p:spPr>
           <a:xfrm>
-            <a:off x="2583433" y="3503352"/>
-            <a:ext cx="2394399" cy="201242"/>
+            <a:off x="2706560" y="4171362"/>
+            <a:ext cx="2508514" cy="239614"/>
           </a:xfrm>
           <a:prstGeom prst="rect">
             <a:avLst/>
           </a:prstGeom>
         </p:spPr>
         <p:txBody>
-          <a:bodyPr vert="horz" lIns="60327" tIns="30163" rIns="60327" bIns="30163" rtlCol="0" anchor="ctr"/>
+          <a:bodyPr vert="horz" lIns="63114" tIns="31557" rIns="63114" bIns="31557" rtlCol="0" anchor="ctr"/>
           <a:lstStyle>
             <a:lvl1pPr algn="ctr">
               <a:defRPr sz="700">
@@ -2780,15 +2780,15 @@
         </p:nvSpPr>
         <p:spPr>
           <a:xfrm>
-            <a:off x="5418908" y="3503352"/>
-            <a:ext cx="1764295" cy="201242"/>
+            <a:off x="5677172" y="4171362"/>
+            <a:ext cx="1848379" cy="239614"/>
           </a:xfrm>
           <a:prstGeom prst="rect">
             <a:avLst/>
           </a:prstGeom>
         </p:spPr>
         <p:txBody>
-          <a:bodyPr vert="horz" lIns="60327" tIns="30163" rIns="60327" bIns="30163" rtlCol="0" anchor="ctr"/>
+          <a:bodyPr vert="horz" lIns="63114" tIns="31557" rIns="63114" bIns="31557" rtlCol="0" anchor="ctr"/>
           <a:lstStyle>
             <a:lvl1pPr algn="r">
               <a:defRPr sz="700">
@@ -2832,12 +2832,12 @@
   </p:sldLayoutIdLst>
   <p:txStyles>
     <p:titleStyle>
-      <a:lvl1pPr algn="ctr" defTabSz="603264" rtl="0" eaLnBrk="1" latinLnBrk="0" hangingPunct="1">
+      <a:lvl1pPr algn="ctr" defTabSz="631135" rtl="0" eaLnBrk="1" latinLnBrk="0" hangingPunct="1">
         <a:spcBef>
           <a:spcPct val="0"/>
         </a:spcBef>
         <a:buNone/>
-        <a:defRPr sz="2900" kern="1200">
+        <a:defRPr sz="3000" kern="1200">
           <a:solidFill>
             <a:schemeClr val="tx1"/>
           </a:solidFill>
@@ -2848,13 +2848,13 @@
       </a:lvl1pPr>
     </p:titleStyle>
     <p:bodyStyle>
-      <a:lvl1pPr marL="226224" indent="-226224" algn="l" defTabSz="603264" rtl="0" eaLnBrk="1" latinLnBrk="0" hangingPunct="1">
+      <a:lvl1pPr marL="236676" indent="-236676" algn="l" defTabSz="631135" rtl="0" eaLnBrk="1" latinLnBrk="0" hangingPunct="1">
         <a:spcBef>
           <a:spcPct val="20000"/>
         </a:spcBef>
         <a:buFont typeface="Arial" panose="020B0604020202020204" pitchFamily="34" charset="0"/>
         <a:buChar char="•"/>
-        <a:defRPr sz="2100" kern="1200">
+        <a:defRPr sz="2200" kern="1200">
           <a:solidFill>
             <a:schemeClr val="tx1"/>
           </a:solidFill>
@@ -2863,13 +2863,13 @@
           <a:cs typeface="+mn-cs"/>
         </a:defRPr>
       </a:lvl1pPr>
-      <a:lvl2pPr marL="490152" indent="-188520" algn="l" defTabSz="603264" rtl="0" eaLnBrk="1" latinLnBrk="0" hangingPunct="1">
+      <a:lvl2pPr marL="512797" indent="-197230" algn="l" defTabSz="631135" rtl="0" eaLnBrk="1" latinLnBrk="0" hangingPunct="1">
         <a:spcBef>
           <a:spcPct val="20000"/>
         </a:spcBef>
         <a:buFont typeface="Arial" panose="020B0604020202020204" pitchFamily="34" charset="0"/>
         <a:buChar char="–"/>
-        <a:defRPr sz="1800" kern="1200">
+        <a:defRPr sz="1900" kern="1200">
           <a:solidFill>
             <a:schemeClr val="tx1"/>
           </a:solidFill>
@@ -2878,13 +2878,13 @@
           <a:cs typeface="+mn-cs"/>
         </a:defRPr>
       </a:lvl2pPr>
-      <a:lvl3pPr marL="754080" indent="-150816" algn="l" defTabSz="603264" rtl="0" eaLnBrk="1" latinLnBrk="0" hangingPunct="1">
+      <a:lvl3pPr marL="788918" indent="-157784" algn="l" defTabSz="631135" rtl="0" eaLnBrk="1" latinLnBrk="0" hangingPunct="1">
         <a:spcBef>
           <a:spcPct val="20000"/>
         </a:spcBef>
         <a:buFont typeface="Arial" panose="020B0604020202020204" pitchFamily="34" charset="0"/>
         <a:buChar char="•"/>
-        <a:defRPr sz="1600" kern="1200">
+        <a:defRPr sz="1700" kern="1200">
           <a:solidFill>
             <a:schemeClr val="tx1"/>
           </a:solidFill>
@@ -2893,13 +2893,13 @@
           <a:cs typeface="+mn-cs"/>
         </a:defRPr>
       </a:lvl3pPr>
-      <a:lvl4pPr marL="1055712" indent="-150816" algn="l" defTabSz="603264" rtl="0" eaLnBrk="1" latinLnBrk="0" hangingPunct="1">
+      <a:lvl4pPr marL="1104486" indent="-157784" algn="l" defTabSz="631135" rtl="0" eaLnBrk="1" latinLnBrk="0" hangingPunct="1">
         <a:spcBef>
           <a:spcPct val="20000"/>
         </a:spcBef>
         <a:buFont typeface="Arial" panose="020B0604020202020204" pitchFamily="34" charset="0"/>
         <a:buChar char="–"/>
-        <a:defRPr sz="1400" kern="1200">
+        <a:defRPr sz="1500" kern="1200">
           <a:solidFill>
             <a:schemeClr val="tx1"/>
           </a:solidFill>
@@ -2908,13 +2908,13 @@
           <a:cs typeface="+mn-cs"/>
         </a:defRPr>
       </a:lvl4pPr>
-      <a:lvl5pPr marL="1357345" indent="-150816" algn="l" defTabSz="603264" rtl="0" eaLnBrk="1" latinLnBrk="0" hangingPunct="1">
+      <a:lvl5pPr marL="1420054" indent="-157784" algn="l" defTabSz="631135" rtl="0" eaLnBrk="1" latinLnBrk="0" hangingPunct="1">
         <a:spcBef>
           <a:spcPct val="20000"/>
         </a:spcBef>
         <a:buFont typeface="Arial" panose="020B0604020202020204" pitchFamily="34" charset="0"/>
         <a:buChar char="»"/>
-        <a:defRPr sz="1400" kern="1200">
+        <a:defRPr sz="1500" kern="1200">
           <a:solidFill>
             <a:schemeClr val="tx1"/>
           </a:solidFill>
@@ -2923,13 +2923,13 @@
           <a:cs typeface="+mn-cs"/>
         </a:defRPr>
       </a:lvl5pPr>
-      <a:lvl6pPr marL="1658976" indent="-150816" algn="l" defTabSz="603264" rtl="0" eaLnBrk="1" latinLnBrk="0" hangingPunct="1">
+      <a:lvl6pPr marL="1735621" indent="-157784" algn="l" defTabSz="631135" rtl="0" eaLnBrk="1" latinLnBrk="0" hangingPunct="1">
         <a:spcBef>
           <a:spcPct val="20000"/>
         </a:spcBef>
         <a:buFont typeface="Arial" panose="020B0604020202020204" pitchFamily="34" charset="0"/>
         <a:buChar char="•"/>
-        <a:defRPr sz="1400" kern="1200">
+        <a:defRPr sz="1500" kern="1200">
           <a:solidFill>
             <a:schemeClr val="tx1"/>
           </a:solidFill>
@@ -2938,13 +2938,13 @@
           <a:cs typeface="+mn-cs"/>
         </a:defRPr>
       </a:lvl6pPr>
-      <a:lvl7pPr marL="1960608" indent="-150816" algn="l" defTabSz="603264" rtl="0" eaLnBrk="1" latinLnBrk="0" hangingPunct="1">
+      <a:lvl7pPr marL="2051188" indent="-157784" algn="l" defTabSz="631135" rtl="0" eaLnBrk="1" latinLnBrk="0" hangingPunct="1">
         <a:spcBef>
           <a:spcPct val="20000"/>
         </a:spcBef>
         <a:buFont typeface="Arial" panose="020B0604020202020204" pitchFamily="34" charset="0"/>
         <a:buChar char="•"/>
-        <a:defRPr sz="1400" kern="1200">
+        <a:defRPr sz="1500" kern="1200">
           <a:solidFill>
             <a:schemeClr val="tx1"/>
           </a:solidFill>
@@ -2953,13 +2953,13 @@
           <a:cs typeface="+mn-cs"/>
         </a:defRPr>
       </a:lvl7pPr>
-      <a:lvl8pPr marL="2262241" indent="-150816" algn="l" defTabSz="603264" rtl="0" eaLnBrk="1" latinLnBrk="0" hangingPunct="1">
+      <a:lvl8pPr marL="2366757" indent="-157784" algn="l" defTabSz="631135" rtl="0" eaLnBrk="1" latinLnBrk="0" hangingPunct="1">
         <a:spcBef>
           <a:spcPct val="20000"/>
         </a:spcBef>
         <a:buFont typeface="Arial" panose="020B0604020202020204" pitchFamily="34" charset="0"/>
         <a:buChar char="•"/>
-        <a:defRPr sz="1400" kern="1200">
+        <a:defRPr sz="1500" kern="1200">
           <a:solidFill>
             <a:schemeClr val="tx1"/>
           </a:solidFill>
@@ -2968,13 +2968,13 @@
           <a:cs typeface="+mn-cs"/>
         </a:defRPr>
       </a:lvl8pPr>
-      <a:lvl9pPr marL="2563872" indent="-150816" algn="l" defTabSz="603264" rtl="0" eaLnBrk="1" latinLnBrk="0" hangingPunct="1">
+      <a:lvl9pPr marL="2682323" indent="-157784" algn="l" defTabSz="631135" rtl="0" eaLnBrk="1" latinLnBrk="0" hangingPunct="1">
         <a:spcBef>
           <a:spcPct val="20000"/>
         </a:spcBef>
         <a:buFont typeface="Arial" panose="020B0604020202020204" pitchFamily="34" charset="0"/>
         <a:buChar char="•"/>
-        <a:defRPr sz="1400" kern="1200">
+        <a:defRPr sz="1500" kern="1200">
           <a:solidFill>
             <a:schemeClr val="tx1"/>
           </a:solidFill>
@@ -2988,8 +2988,8 @@
       <a:defPPr>
         <a:defRPr lang="en-US"/>
       </a:defPPr>
-      <a:lvl1pPr marL="0" algn="l" defTabSz="603264" rtl="0" eaLnBrk="1" latinLnBrk="0" hangingPunct="1">
-        <a:defRPr sz="1200" kern="1200">
+      <a:lvl1pPr marL="0" algn="l" defTabSz="631135" rtl="0" eaLnBrk="1" latinLnBrk="0" hangingPunct="1">
+        <a:defRPr sz="1300" kern="1200">
           <a:solidFill>
             <a:schemeClr val="tx1"/>
           </a:solidFill>
@@ -2998,8 +2998,8 @@
           <a:cs typeface="+mn-cs"/>
         </a:defRPr>
       </a:lvl1pPr>
-      <a:lvl2pPr marL="301632" algn="l" defTabSz="603264" rtl="0" eaLnBrk="1" latinLnBrk="0" hangingPunct="1">
-        <a:defRPr sz="1200" kern="1200">
+      <a:lvl2pPr marL="315567" algn="l" defTabSz="631135" rtl="0" eaLnBrk="1" latinLnBrk="0" hangingPunct="1">
+        <a:defRPr sz="1300" kern="1200">
           <a:solidFill>
             <a:schemeClr val="tx1"/>
           </a:solidFill>
@@ -3008,8 +3008,8 @@
           <a:cs typeface="+mn-cs"/>
         </a:defRPr>
       </a:lvl2pPr>
-      <a:lvl3pPr marL="603264" algn="l" defTabSz="603264" rtl="0" eaLnBrk="1" latinLnBrk="0" hangingPunct="1">
-        <a:defRPr sz="1200" kern="1200">
+      <a:lvl3pPr marL="631135" algn="l" defTabSz="631135" rtl="0" eaLnBrk="1" latinLnBrk="0" hangingPunct="1">
+        <a:defRPr sz="1300" kern="1200">
           <a:solidFill>
             <a:schemeClr val="tx1"/>
           </a:solidFill>
@@ -3018,8 +3018,8 @@
           <a:cs typeface="+mn-cs"/>
         </a:defRPr>
       </a:lvl3pPr>
-      <a:lvl4pPr marL="904896" algn="l" defTabSz="603264" rtl="0" eaLnBrk="1" latinLnBrk="0" hangingPunct="1">
-        <a:defRPr sz="1200" kern="1200">
+      <a:lvl4pPr marL="946702" algn="l" defTabSz="631135" rtl="0" eaLnBrk="1" latinLnBrk="0" hangingPunct="1">
+        <a:defRPr sz="1300" kern="1200">
           <a:solidFill>
             <a:schemeClr val="tx1"/>
           </a:solidFill>
@@ -3028,8 +3028,8 @@
           <a:cs typeface="+mn-cs"/>
         </a:defRPr>
       </a:lvl4pPr>
-      <a:lvl5pPr marL="1206527" algn="l" defTabSz="603264" rtl="0" eaLnBrk="1" latinLnBrk="0" hangingPunct="1">
-        <a:defRPr sz="1200" kern="1200">
+      <a:lvl5pPr marL="1262269" algn="l" defTabSz="631135" rtl="0" eaLnBrk="1" latinLnBrk="0" hangingPunct="1">
+        <a:defRPr sz="1300" kern="1200">
           <a:solidFill>
             <a:schemeClr val="tx1"/>
           </a:solidFill>
@@ -3038,8 +3038,8 @@
           <a:cs typeface="+mn-cs"/>
         </a:defRPr>
       </a:lvl5pPr>
-      <a:lvl6pPr marL="1508160" algn="l" defTabSz="603264" rtl="0" eaLnBrk="1" latinLnBrk="0" hangingPunct="1">
-        <a:defRPr sz="1200" kern="1200">
+      <a:lvl6pPr marL="1577837" algn="l" defTabSz="631135" rtl="0" eaLnBrk="1" latinLnBrk="0" hangingPunct="1">
+        <a:defRPr sz="1300" kern="1200">
           <a:solidFill>
             <a:schemeClr val="tx1"/>
           </a:solidFill>
@@ -3048,8 +3048,8 @@
           <a:cs typeface="+mn-cs"/>
         </a:defRPr>
       </a:lvl6pPr>
-      <a:lvl7pPr marL="1809792" algn="l" defTabSz="603264" rtl="0" eaLnBrk="1" latinLnBrk="0" hangingPunct="1">
-        <a:defRPr sz="1200" kern="1200">
+      <a:lvl7pPr marL="1893404" algn="l" defTabSz="631135" rtl="0" eaLnBrk="1" latinLnBrk="0" hangingPunct="1">
+        <a:defRPr sz="1300" kern="1200">
           <a:solidFill>
             <a:schemeClr val="tx1"/>
           </a:solidFill>
@@ -3058,8 +3058,8 @@
           <a:cs typeface="+mn-cs"/>
         </a:defRPr>
       </a:lvl7pPr>
-      <a:lvl8pPr marL="2111423" algn="l" defTabSz="603264" rtl="0" eaLnBrk="1" latinLnBrk="0" hangingPunct="1">
-        <a:defRPr sz="1200" kern="1200">
+      <a:lvl8pPr marL="2208971" algn="l" defTabSz="631135" rtl="0" eaLnBrk="1" latinLnBrk="0" hangingPunct="1">
+        <a:defRPr sz="1300" kern="1200">
           <a:solidFill>
             <a:schemeClr val="tx1"/>
           </a:solidFill>
@@ -3068,8 +3068,8 @@
           <a:cs typeface="+mn-cs"/>
         </a:defRPr>
       </a:lvl8pPr>
-      <a:lvl9pPr marL="2413056" algn="l" defTabSz="603264" rtl="0" eaLnBrk="1" latinLnBrk="0" hangingPunct="1">
-        <a:defRPr sz="1200" kern="1200">
+      <a:lvl9pPr marL="2524539" algn="l" defTabSz="631135" rtl="0" eaLnBrk="1" latinLnBrk="0" hangingPunct="1">
+        <a:defRPr sz="1300" kern="1200">
           <a:solidFill>
             <a:schemeClr val="tx1"/>
           </a:solidFill>
@@ -3102,7 +3102,7 @@
       </p:grpSpPr>
       <p:pic>
         <p:nvPicPr>
-          <p:cNvPr id="25" name="Picture 4"/>
+          <p:cNvPr id="34" name="Picture 4"/>
           <p:cNvPicPr>
             <a:picLocks noChangeAspect="1" noChangeArrowheads="1"/>
           </p:cNvPicPr>
@@ -3123,8 +3123,8 @@
         </p:blipFill>
         <p:spPr bwMode="auto">
           <a:xfrm>
-            <a:off x="108073" y="0"/>
-            <a:ext cx="3527425" cy="3714750"/>
+            <a:off x="15201" y="0"/>
+            <a:ext cx="4307270" cy="4536000"/>
           </a:xfrm>
           <a:prstGeom prst="rect">
             <a:avLst/>
@@ -3156,7 +3156,7 @@
       </p:pic>
       <p:pic>
         <p:nvPicPr>
-          <p:cNvPr id="26" name="Picture 3" descr="C:\Users\Wendy\Documents\wwn20\Lit review\Figures\kondo1998-2.jpg"/>
+          <p:cNvPr id="35" name="Picture 3" descr="C:\Users\Wendy\Documents\wwn20\Lit review\Figures\kondo1998-2.jpg"/>
           <p:cNvPicPr>
             <a:picLocks noChangeAspect="1" noChangeArrowheads="1"/>
           </p:cNvPicPr>
@@ -3177,8 +3177,8 @@
         </p:blipFill>
         <p:spPr bwMode="auto">
           <a:xfrm>
-            <a:off x="3564458" y="82983"/>
-            <a:ext cx="4364141" cy="3548784"/>
+            <a:off x="4252607" y="607431"/>
+            <a:ext cx="4028685" cy="3276000"/>
           </a:xfrm>
           <a:prstGeom prst="rect">
             <a:avLst/>
@@ -3197,13 +3197,13 @@
       </p:pic>
       <p:sp>
         <p:nvSpPr>
-          <p:cNvPr id="27" name="TextBox 26"/>
+          <p:cNvPr id="36" name="TextBox 35"/>
           <p:cNvSpPr txBox="1"/>
           <p:nvPr/>
         </p:nvSpPr>
         <p:spPr>
           <a:xfrm>
-            <a:off x="-54381" y="-20045"/>
+            <a:off x="-88249" y="-20045"/>
             <a:ext cx="648072" cy="477054"/>
           </a:xfrm>
           <a:prstGeom prst="rect">
@@ -3227,13 +3227,13 @@
       </p:sp>
       <p:sp>
         <p:nvSpPr>
-          <p:cNvPr id="28" name="TextBox 27"/>
+          <p:cNvPr id="37" name="TextBox 36"/>
           <p:cNvSpPr txBox="1"/>
           <p:nvPr/>
         </p:nvSpPr>
         <p:spPr>
           <a:xfrm>
-            <a:off x="3694765" y="-20045"/>
+            <a:off x="4176836" y="504403"/>
             <a:ext cx="648072" cy="477054"/>
           </a:xfrm>
           <a:prstGeom prst="rect">
